--- a/Wisnu.pptx
+++ b/Wisnu.pptx
@@ -263,7 +263,7 @@
           <a:p>
             <a:fld id="{2C86743E-710D-4C15-8086-D8C29CC0F5ED}" type="datetimeFigureOut">
               <a:rPr lang="en-US" smtClean="0"/>
-              <a:t>1/29/2022</a:t>
+              <a:t>1/30/2022</a:t>
             </a:fld>
             <a:endParaRPr lang="en-US"/>
           </a:p>
@@ -433,7 +433,7 @@
           <a:p>
             <a:fld id="{2C86743E-710D-4C15-8086-D8C29CC0F5ED}" type="datetimeFigureOut">
               <a:rPr lang="en-US" smtClean="0"/>
-              <a:t>1/29/2022</a:t>
+              <a:t>1/30/2022</a:t>
             </a:fld>
             <a:endParaRPr lang="en-US"/>
           </a:p>
@@ -613,7 +613,7 @@
           <a:p>
             <a:fld id="{2C86743E-710D-4C15-8086-D8C29CC0F5ED}" type="datetimeFigureOut">
               <a:rPr lang="en-US" smtClean="0"/>
-              <a:t>1/29/2022</a:t>
+              <a:t>1/30/2022</a:t>
             </a:fld>
             <a:endParaRPr lang="en-US"/>
           </a:p>
@@ -783,7 +783,7 @@
           <a:p>
             <a:fld id="{2C86743E-710D-4C15-8086-D8C29CC0F5ED}" type="datetimeFigureOut">
               <a:rPr lang="en-US" smtClean="0"/>
-              <a:t>1/29/2022</a:t>
+              <a:t>1/30/2022</a:t>
             </a:fld>
             <a:endParaRPr lang="en-US"/>
           </a:p>
@@ -1029,7 +1029,7 @@
           <a:p>
             <a:fld id="{2C86743E-710D-4C15-8086-D8C29CC0F5ED}" type="datetimeFigureOut">
               <a:rPr lang="en-US" smtClean="0"/>
-              <a:t>1/29/2022</a:t>
+              <a:t>1/30/2022</a:t>
             </a:fld>
             <a:endParaRPr lang="en-US"/>
           </a:p>
@@ -1261,7 +1261,7 @@
           <a:p>
             <a:fld id="{2C86743E-710D-4C15-8086-D8C29CC0F5ED}" type="datetimeFigureOut">
               <a:rPr lang="en-US" smtClean="0"/>
-              <a:t>1/29/2022</a:t>
+              <a:t>1/30/2022</a:t>
             </a:fld>
             <a:endParaRPr lang="en-US"/>
           </a:p>
@@ -1628,7 +1628,7 @@
           <a:p>
             <a:fld id="{2C86743E-710D-4C15-8086-D8C29CC0F5ED}" type="datetimeFigureOut">
               <a:rPr lang="en-US" smtClean="0"/>
-              <a:t>1/29/2022</a:t>
+              <a:t>1/30/2022</a:t>
             </a:fld>
             <a:endParaRPr lang="en-US"/>
           </a:p>
@@ -1746,7 +1746,7 @@
           <a:p>
             <a:fld id="{2C86743E-710D-4C15-8086-D8C29CC0F5ED}" type="datetimeFigureOut">
               <a:rPr lang="en-US" smtClean="0"/>
-              <a:t>1/29/2022</a:t>
+              <a:t>1/30/2022</a:t>
             </a:fld>
             <a:endParaRPr lang="en-US"/>
           </a:p>
@@ -1841,7 +1841,7 @@
           <a:p>
             <a:fld id="{2C86743E-710D-4C15-8086-D8C29CC0F5ED}" type="datetimeFigureOut">
               <a:rPr lang="en-US" smtClean="0"/>
-              <a:t>1/29/2022</a:t>
+              <a:t>1/30/2022</a:t>
             </a:fld>
             <a:endParaRPr lang="en-US"/>
           </a:p>
@@ -2118,7 +2118,7 @@
           <a:p>
             <a:fld id="{2C86743E-710D-4C15-8086-D8C29CC0F5ED}" type="datetimeFigureOut">
               <a:rPr lang="en-US" smtClean="0"/>
-              <a:t>1/29/2022</a:t>
+              <a:t>1/30/2022</a:t>
             </a:fld>
             <a:endParaRPr lang="en-US"/>
           </a:p>
@@ -2371,7 +2371,7 @@
           <a:p>
             <a:fld id="{2C86743E-710D-4C15-8086-D8C29CC0F5ED}" type="datetimeFigureOut">
               <a:rPr lang="en-US" smtClean="0"/>
-              <a:t>1/29/2022</a:t>
+              <a:t>1/30/2022</a:t>
             </a:fld>
             <a:endParaRPr lang="en-US"/>
           </a:p>
@@ -2584,7 +2584,7 @@
           <a:p>
             <a:fld id="{2C86743E-710D-4C15-8086-D8C29CC0F5ED}" type="datetimeFigureOut">
               <a:rPr lang="en-US" smtClean="0"/>
-              <a:t>1/29/2022</a:t>
+              <a:t>1/30/2022</a:t>
             </a:fld>
             <a:endParaRPr lang="en-US"/>
           </a:p>
@@ -3170,6 +3170,18 @@
   <p:clrMapOvr>
     <a:masterClrMapping/>
   </p:clrMapOvr>
+  <mc:AlternateContent xmlns:mc="http://schemas.openxmlformats.org/markup-compatibility/2006">
+    <mc:Choice xmlns:p14="http://schemas.microsoft.com/office/powerpoint/2010/main" Requires="p14">
+      <p:transition spd="med" p14:dur="700">
+        <p:fade/>
+      </p:transition>
+    </mc:Choice>
+    <mc:Fallback>
+      <p:transition spd="med">
+        <p:fade/>
+      </p:transition>
+    </mc:Fallback>
+  </mc:AlternateContent>
   <p:timing>
     <p:tnLst>
       <p:par>
@@ -3357,13 +3369,7 @@
               <a:rPr lang="en-US" b="1" dirty="0" smtClean="0">
                 <a:latin typeface="+mn-lt"/>
               </a:rPr>
-              <a:t>BAB </a:t>
-            </a:r>
-            <a:r>
-              <a:rPr lang="en-US" b="1" dirty="0" smtClean="0">
-                <a:latin typeface="+mn-lt"/>
-              </a:rPr>
-              <a:t>I</a:t>
+              <a:t>BAB I</a:t>
             </a:r>
             <a:br>
               <a:rPr lang="en-US" b="1" dirty="0" smtClean="0">
@@ -3873,6 +3879,18 @@
   <p:clrMapOvr>
     <a:masterClrMapping/>
   </p:clrMapOvr>
+  <mc:AlternateContent xmlns:mc="http://schemas.openxmlformats.org/markup-compatibility/2006">
+    <mc:Choice xmlns:p14="http://schemas.microsoft.com/office/powerpoint/2010/main" Requires="p14">
+      <p:transition spd="med" p14:dur="700">
+        <p:fade/>
+      </p:transition>
+    </mc:Choice>
+    <mc:Fallback>
+      <p:transition spd="med">
+        <p:fade/>
+      </p:transition>
+    </mc:Fallback>
+  </mc:AlternateContent>
   <p:timing>
     <p:tnLst>
       <p:par>
@@ -4213,13 +4231,7 @@
               <a:rPr lang="en-US" b="1" dirty="0" smtClean="0">
                 <a:latin typeface="+mn-lt"/>
               </a:rPr>
-              <a:t>BAB </a:t>
-            </a:r>
-            <a:r>
-              <a:rPr lang="en-US" b="1" dirty="0" smtClean="0">
-                <a:latin typeface="+mn-lt"/>
-              </a:rPr>
-              <a:t>II </a:t>
+              <a:t>BAB II </a:t>
             </a:r>
             <a:br>
               <a:rPr lang="en-US" b="1" dirty="0" smtClean="0">
@@ -4810,10 +4822,6 @@
               </a:rPr>
               <a:t>.</a:t>
             </a:r>
-            <a:endParaRPr lang="en-US" sz="2400" dirty="0">
-              <a:latin typeface="Calibri" panose="020F0502020204030204" pitchFamily="34" charset="0"/>
-              <a:cs typeface="Calibri" panose="020F0502020204030204" pitchFamily="34" charset="0"/>
-            </a:endParaRPr>
           </a:p>
         </p:txBody>
       </p:sp>
@@ -4827,6 +4835,9 @@
   <p:clrMapOvr>
     <a:masterClrMapping/>
   </p:clrMapOvr>
+  <p:transition spd="slow">
+    <p:wipe/>
+  </p:transition>
   <p:timing>
     <p:tnLst>
       <p:par>
@@ -5068,13 +5079,7 @@
               <a:rPr lang="en-US" b="1" dirty="0" smtClean="0">
                 <a:latin typeface="+mn-lt"/>
               </a:rPr>
-              <a:t>BAB </a:t>
-            </a:r>
-            <a:r>
-              <a:rPr lang="en-US" b="1" dirty="0" smtClean="0">
-                <a:latin typeface="+mn-lt"/>
-              </a:rPr>
-              <a:t>III</a:t>
+              <a:t>BAB III</a:t>
             </a:r>
             <a:br>
               <a:rPr lang="en-US" b="1" dirty="0" smtClean="0">
@@ -5314,6 +5319,18 @@
   <p:clrMapOvr>
     <a:masterClrMapping/>
   </p:clrMapOvr>
+  <mc:AlternateContent xmlns:mc="http://schemas.openxmlformats.org/markup-compatibility/2006">
+    <mc:Choice xmlns:p14="http://schemas.microsoft.com/office/powerpoint/2010/main" Requires="p14">
+      <p:transition spd="med" p14:dur="700">
+        <p:fade/>
+      </p:transition>
+    </mc:Choice>
+    <mc:Fallback>
+      <p:transition spd="med">
+        <p:fade/>
+      </p:transition>
+    </mc:Fallback>
+  </mc:AlternateContent>
   <p:timing>
     <p:tnLst>
       <p:par>
@@ -6057,6 +6074,18 @@
   <p:clrMapOvr>
     <a:masterClrMapping/>
   </p:clrMapOvr>
+  <mc:AlternateContent xmlns:mc="http://schemas.openxmlformats.org/markup-compatibility/2006">
+    <mc:Choice xmlns:p14="http://schemas.microsoft.com/office/powerpoint/2010/main" Requires="p14">
+      <p:transition spd="med" p14:dur="700">
+        <p:fade/>
+      </p:transition>
+    </mc:Choice>
+    <mc:Fallback>
+      <p:transition spd="med">
+        <p:fade/>
+      </p:transition>
+    </mc:Fallback>
+  </mc:AlternateContent>
   <p:timing>
     <p:tnLst>
       <p:par>
@@ -6078,7 +6107,7 @@
                             </p:stCondLst>
                             <p:childTnLst>
                               <p:par>
-                                <p:cTn id="5" presetID="53" presetClass="entr" presetSubtype="16" fill="hold" nodeType="clickEffect">
+                                <p:cTn id="5" presetID="22" presetClass="entr" presetSubtype="4" fill="hold" grpId="0" nodeType="clickEffect">
                                   <p:stCondLst>
                                     <p:cond delay="0"/>
                                   </p:stCondLst>
@@ -6086,6 +6115,59 @@
                                     <p:set>
                                       <p:cBhvr>
                                         <p:cTn id="6" dur="1" fill="hold">
+                                          <p:stCondLst>
+                                            <p:cond delay="0"/>
+                                          </p:stCondLst>
+                                        </p:cTn>
+                                        <p:tgtEl>
+                                          <p:spTgt spid="5"/>
+                                        </p:tgtEl>
+                                        <p:attrNameLst>
+                                          <p:attrName>style.visibility</p:attrName>
+                                        </p:attrNameLst>
+                                      </p:cBhvr>
+                                      <p:to>
+                                        <p:strVal val="visible"/>
+                                      </p:to>
+                                    </p:set>
+                                    <p:animEffect transition="in" filter="wipe(down)">
+                                      <p:cBhvr>
+                                        <p:cTn id="7" dur="500"/>
+                                        <p:tgtEl>
+                                          <p:spTgt spid="5"/>
+                                        </p:tgtEl>
+                                      </p:cBhvr>
+                                    </p:animEffect>
+                                  </p:childTnLst>
+                                </p:cTn>
+                              </p:par>
+                            </p:childTnLst>
+                          </p:cTn>
+                        </p:par>
+                      </p:childTnLst>
+                    </p:cTn>
+                  </p:par>
+                  <p:par>
+                    <p:cTn id="8" fill="hold">
+                      <p:stCondLst>
+                        <p:cond delay="indefinite"/>
+                      </p:stCondLst>
+                      <p:childTnLst>
+                        <p:par>
+                          <p:cTn id="9" fill="hold">
+                            <p:stCondLst>
+                              <p:cond delay="0"/>
+                            </p:stCondLst>
+                            <p:childTnLst>
+                              <p:par>
+                                <p:cTn id="10" presetID="53" presetClass="entr" presetSubtype="16" fill="hold" nodeType="clickEffect">
+                                  <p:stCondLst>
+                                    <p:cond delay="0"/>
+                                  </p:stCondLst>
+                                  <p:childTnLst>
+                                    <p:set>
+                                      <p:cBhvr>
+                                        <p:cTn id="11" dur="1" fill="hold">
                                           <p:stCondLst>
                                             <p:cond delay="0"/>
                                           </p:stCondLst>
@@ -6103,7 +6185,7 @@
                                     </p:set>
                                     <p:anim calcmode="lin" valueType="num">
                                       <p:cBhvr>
-                                        <p:cTn id="7" dur="500" fill="hold"/>
+                                        <p:cTn id="12" dur="500" fill="hold"/>
                                         <p:tgtEl>
                                           <p:spTgt spid="6"/>
                                         </p:tgtEl>
@@ -6126,7 +6208,7 @@
                                     </p:anim>
                                     <p:anim calcmode="lin" valueType="num">
                                       <p:cBhvr>
-                                        <p:cTn id="8" dur="500" fill="hold"/>
+                                        <p:cTn id="13" dur="500" fill="hold"/>
                                         <p:tgtEl>
                                           <p:spTgt spid="6"/>
                                         </p:tgtEl>
@@ -6149,7 +6231,7 @@
                                     </p:anim>
                                     <p:animEffect transition="in" filter="fade">
                                       <p:cBhvr>
-                                        <p:cTn id="9" dur="500"/>
+                                        <p:cTn id="14" dur="500"/>
                                         <p:tgtEl>
                                           <p:spTgt spid="6"/>
                                         </p:tgtEl>
@@ -6185,6 +6267,9 @@
         </p:cTn>
       </p:par>
     </p:tnLst>
+    <p:bldLst>
+      <p:bldP spid="5" grpId="0"/>
+    </p:bldLst>
   </p:timing>
 </p:sld>
 </file>
@@ -6565,7 +6650,6 @@
               <a:rPr lang="en-US" sz="2400" dirty="0"/>
               <a:t>.</a:t>
             </a:r>
-            <a:endParaRPr lang="en-US" sz="2400" dirty="0"/>
           </a:p>
         </p:txBody>
       </p:sp>
@@ -6618,6 +6702,9 @@
   <p:clrMapOvr>
     <a:masterClrMapping/>
   </p:clrMapOvr>
+  <p:transition spd="slow">
+    <p:wipe/>
+  </p:transition>
   <p:timing>
     <p:tnLst>
       <p:par>
@@ -6748,6 +6835,59 @@
                       </p:childTnLst>
                     </p:cTn>
                   </p:par>
+                  <p:par>
+                    <p:cTn id="13" fill="hold">
+                      <p:stCondLst>
+                        <p:cond delay="indefinite"/>
+                      </p:stCondLst>
+                      <p:childTnLst>
+                        <p:par>
+                          <p:cTn id="14" fill="hold">
+                            <p:stCondLst>
+                              <p:cond delay="0"/>
+                            </p:stCondLst>
+                            <p:childTnLst>
+                              <p:par>
+                                <p:cTn id="15" presetID="10" presetClass="entr" presetSubtype="0" fill="hold" nodeType="clickEffect">
+                                  <p:stCondLst>
+                                    <p:cond delay="0"/>
+                                  </p:stCondLst>
+                                  <p:childTnLst>
+                                    <p:set>
+                                      <p:cBhvr>
+                                        <p:cTn id="16" dur="1" fill="hold">
+                                          <p:stCondLst>
+                                            <p:cond delay="0"/>
+                                          </p:stCondLst>
+                                        </p:cTn>
+                                        <p:tgtEl>
+                                          <p:spTgt spid="4100"/>
+                                        </p:tgtEl>
+                                        <p:attrNameLst>
+                                          <p:attrName>style.visibility</p:attrName>
+                                        </p:attrNameLst>
+                                      </p:cBhvr>
+                                      <p:to>
+                                        <p:strVal val="visible"/>
+                                      </p:to>
+                                    </p:set>
+                                    <p:animEffect transition="in" filter="fade">
+                                      <p:cBhvr>
+                                        <p:cTn id="17" dur="500"/>
+                                        <p:tgtEl>
+                                          <p:spTgt spid="4100"/>
+                                        </p:tgtEl>
+                                      </p:cBhvr>
+                                    </p:animEffect>
+                                  </p:childTnLst>
+                                </p:cTn>
+                              </p:par>
+                            </p:childTnLst>
+                          </p:cTn>
+                        </p:par>
+                      </p:childTnLst>
+                    </p:cTn>
+                  </p:par>
                 </p:childTnLst>
               </p:cTn>
               <p:prevCondLst>
@@ -7036,6 +7176,9 @@
   <p:clrMapOvr>
     <a:masterClrMapping/>
   </p:clrMapOvr>
+  <p:transition spd="slow">
+    <p:wipe/>
+  </p:transition>
   <p:timing>
     <p:tnLst>
       <p:par>
@@ -7057,7 +7200,7 @@
                             </p:stCondLst>
                             <p:childTnLst>
                               <p:par>
-                                <p:cTn id="5" presetID="53" presetClass="entr" presetSubtype="16" fill="hold" nodeType="clickEffect">
+                                <p:cTn id="5" presetID="22" presetClass="entr" presetSubtype="4" fill="hold" grpId="0" nodeType="clickEffect">
                                   <p:stCondLst>
                                     <p:cond delay="0"/>
                                   </p:stCondLst>
@@ -7065,6 +7208,59 @@
                                     <p:set>
                                       <p:cBhvr>
                                         <p:cTn id="6" dur="1" fill="hold">
+                                          <p:stCondLst>
+                                            <p:cond delay="0"/>
+                                          </p:stCondLst>
+                                        </p:cTn>
+                                        <p:tgtEl>
+                                          <p:spTgt spid="4"/>
+                                        </p:tgtEl>
+                                        <p:attrNameLst>
+                                          <p:attrName>style.visibility</p:attrName>
+                                        </p:attrNameLst>
+                                      </p:cBhvr>
+                                      <p:to>
+                                        <p:strVal val="visible"/>
+                                      </p:to>
+                                    </p:set>
+                                    <p:animEffect transition="in" filter="wipe(down)">
+                                      <p:cBhvr>
+                                        <p:cTn id="7" dur="500"/>
+                                        <p:tgtEl>
+                                          <p:spTgt spid="4"/>
+                                        </p:tgtEl>
+                                      </p:cBhvr>
+                                    </p:animEffect>
+                                  </p:childTnLst>
+                                </p:cTn>
+                              </p:par>
+                            </p:childTnLst>
+                          </p:cTn>
+                        </p:par>
+                      </p:childTnLst>
+                    </p:cTn>
+                  </p:par>
+                  <p:par>
+                    <p:cTn id="8" fill="hold">
+                      <p:stCondLst>
+                        <p:cond delay="indefinite"/>
+                      </p:stCondLst>
+                      <p:childTnLst>
+                        <p:par>
+                          <p:cTn id="9" fill="hold">
+                            <p:stCondLst>
+                              <p:cond delay="0"/>
+                            </p:stCondLst>
+                            <p:childTnLst>
+                              <p:par>
+                                <p:cTn id="10" presetID="53" presetClass="entr" presetSubtype="16" fill="hold" nodeType="clickEffect">
+                                  <p:stCondLst>
+                                    <p:cond delay="0"/>
+                                  </p:stCondLst>
+                                  <p:childTnLst>
+                                    <p:set>
+                                      <p:cBhvr>
+                                        <p:cTn id="11" dur="1" fill="hold">
                                           <p:stCondLst>
                                             <p:cond delay="0"/>
                                           </p:stCondLst>
@@ -7082,7 +7278,7 @@
                                     </p:set>
                                     <p:anim calcmode="lin" valueType="num">
                                       <p:cBhvr>
-                                        <p:cTn id="7" dur="500" fill="hold"/>
+                                        <p:cTn id="12" dur="500" fill="hold"/>
                                         <p:tgtEl>
                                           <p:spTgt spid="5"/>
                                         </p:tgtEl>
@@ -7105,7 +7301,7 @@
                                     </p:anim>
                                     <p:anim calcmode="lin" valueType="num">
                                       <p:cBhvr>
-                                        <p:cTn id="8" dur="500" fill="hold"/>
+                                        <p:cTn id="13" dur="500" fill="hold"/>
                                         <p:tgtEl>
                                           <p:spTgt spid="5"/>
                                         </p:tgtEl>
@@ -7128,7 +7324,7 @@
                                     </p:anim>
                                     <p:animEffect transition="in" filter="fade">
                                       <p:cBhvr>
-                                        <p:cTn id="9" dur="500"/>
+                                        <p:cTn id="14" dur="500"/>
                                         <p:tgtEl>
                                           <p:spTgt spid="5"/>
                                         </p:tgtEl>
@@ -7164,6 +7360,9 @@
         </p:cTn>
       </p:par>
     </p:tnLst>
+    <p:bldLst>
+      <p:bldP spid="4" grpId="0"/>
+    </p:bldLst>
   </p:timing>
 </p:sld>
 </file>
@@ -7737,6 +7936,18 @@
   <p:clrMapOvr>
     <a:masterClrMapping/>
   </p:clrMapOvr>
+  <mc:AlternateContent xmlns:mc="http://schemas.openxmlformats.org/markup-compatibility/2006">
+    <mc:Choice xmlns:p14="http://schemas.microsoft.com/office/powerpoint/2010/main" Requires="p14">
+      <p:transition spd="med" p14:dur="700">
+        <p:fade/>
+      </p:transition>
+    </mc:Choice>
+    <mc:Fallback>
+      <p:transition spd="med">
+        <p:fade/>
+      </p:transition>
+    </mc:Fallback>
+  </mc:AlternateContent>
   <p:timing>
     <p:tnLst>
       <p:par>
@@ -7931,19 +8142,7 @@
               <a:rPr lang="en-US" b="1" dirty="0" smtClean="0">
                 <a:latin typeface="+mn-lt"/>
               </a:rPr>
-              <a:t>BAB </a:t>
-            </a:r>
-            <a:r>
-              <a:rPr lang="en-US" b="1" dirty="0" smtClean="0">
-                <a:latin typeface="+mn-lt"/>
-              </a:rPr>
-              <a:t>IV</a:t>
-            </a:r>
-            <a:r>
-              <a:rPr lang="en-US" b="1" dirty="0" smtClean="0">
-                <a:latin typeface="+mn-lt"/>
-              </a:rPr>
-              <a:t/>
+              <a:t>BAB IV</a:t>
             </a:r>
             <a:br>
               <a:rPr lang="en-US" b="1" dirty="0" smtClean="0">
@@ -7971,7 +8170,7 @@
         <p:spPr>
           <a:xfrm>
             <a:off x="1508166" y="2458192"/>
-            <a:ext cx="8787740" cy="2677656"/>
+            <a:ext cx="8787740" cy="3046988"/>
           </a:xfrm>
           <a:prstGeom prst="rect">
             <a:avLst/>
@@ -8112,6 +8311,8 @@
               <a:rPr lang="en-US" sz="2400" dirty="0" smtClean="0"/>
               <a:t>download. </a:t>
             </a:r>
+          </a:p>
+          <a:p>
             <a:r>
               <a:rPr lang="en-US" sz="2400" dirty="0" err="1" smtClean="0">
                 <a:latin typeface="Calibri" panose="020F0502020204030204" pitchFamily="34" charset="0"/>
@@ -8405,6 +8606,18 @@
   <p:clrMapOvr>
     <a:masterClrMapping/>
   </p:clrMapOvr>
+  <mc:AlternateContent xmlns:mc="http://schemas.openxmlformats.org/markup-compatibility/2006">
+    <mc:Choice xmlns:p14="http://schemas.microsoft.com/office/powerpoint/2010/main" Requires="p14">
+      <p:transition spd="med" p14:dur="700">
+        <p:fade/>
+      </p:transition>
+    </mc:Choice>
+    <mc:Fallback>
+      <p:transition spd="med">
+        <p:fade/>
+      </p:transition>
+    </mc:Fallback>
+  </mc:AlternateContent>
   <p:timing>
     <p:tnLst>
       <p:par>
@@ -8454,6 +8667,128 @@
                                         <p:cTn id="7" dur="500"/>
                                         <p:tgtEl>
                                           <p:spTgt spid="4"/>
+                                        </p:tgtEl>
+                                      </p:cBhvr>
+                                    </p:animEffect>
+                                  </p:childTnLst>
+                                </p:cTn>
+                              </p:par>
+                            </p:childTnLst>
+                          </p:cTn>
+                        </p:par>
+                      </p:childTnLst>
+                    </p:cTn>
+                  </p:par>
+                  <p:par>
+                    <p:cTn id="8" fill="hold">
+                      <p:stCondLst>
+                        <p:cond delay="indefinite"/>
+                      </p:stCondLst>
+                      <p:childTnLst>
+                        <p:par>
+                          <p:cTn id="9" fill="hold">
+                            <p:stCondLst>
+                              <p:cond delay="0"/>
+                            </p:stCondLst>
+                            <p:childTnLst>
+                              <p:par>
+                                <p:cTn id="10" presetID="22" presetClass="entr" presetSubtype="4" fill="hold" nodeType="clickEffect">
+                                  <p:stCondLst>
+                                    <p:cond delay="0"/>
+                                  </p:stCondLst>
+                                  <p:childTnLst>
+                                    <p:set>
+                                      <p:cBhvr>
+                                        <p:cTn id="11" dur="1" fill="hold">
+                                          <p:stCondLst>
+                                            <p:cond delay="0"/>
+                                          </p:stCondLst>
+                                        </p:cTn>
+                                        <p:tgtEl>
+                                          <p:spTgt spid="5">
+                                            <p:txEl>
+                                              <p:pRg st="0" end="0"/>
+                                            </p:txEl>
+                                          </p:spTgt>
+                                        </p:tgtEl>
+                                        <p:attrNameLst>
+                                          <p:attrName>style.visibility</p:attrName>
+                                        </p:attrNameLst>
+                                      </p:cBhvr>
+                                      <p:to>
+                                        <p:strVal val="visible"/>
+                                      </p:to>
+                                    </p:set>
+                                    <p:animEffect transition="in" filter="wipe(down)">
+                                      <p:cBhvr>
+                                        <p:cTn id="12" dur="500"/>
+                                        <p:tgtEl>
+                                          <p:spTgt spid="5">
+                                            <p:txEl>
+                                              <p:pRg st="0" end="0"/>
+                                            </p:txEl>
+                                          </p:spTgt>
+                                        </p:tgtEl>
+                                      </p:cBhvr>
+                                    </p:animEffect>
+                                  </p:childTnLst>
+                                </p:cTn>
+                              </p:par>
+                            </p:childTnLst>
+                          </p:cTn>
+                        </p:par>
+                      </p:childTnLst>
+                    </p:cTn>
+                  </p:par>
+                  <p:par>
+                    <p:cTn id="13" fill="hold">
+                      <p:stCondLst>
+                        <p:cond delay="indefinite"/>
+                      </p:stCondLst>
+                      <p:childTnLst>
+                        <p:par>
+                          <p:cTn id="14" fill="hold">
+                            <p:stCondLst>
+                              <p:cond delay="0"/>
+                            </p:stCondLst>
+                            <p:childTnLst>
+                              <p:par>
+                                <p:cTn id="15" presetID="22" presetClass="entr" presetSubtype="4" fill="hold" nodeType="clickEffect">
+                                  <p:stCondLst>
+                                    <p:cond delay="0"/>
+                                  </p:stCondLst>
+                                  <p:childTnLst>
+                                    <p:set>
+                                      <p:cBhvr>
+                                        <p:cTn id="16" dur="1" fill="hold">
+                                          <p:stCondLst>
+                                            <p:cond delay="0"/>
+                                          </p:stCondLst>
+                                        </p:cTn>
+                                        <p:tgtEl>
+                                          <p:spTgt spid="5">
+                                            <p:txEl>
+                                              <p:pRg st="1" end="1"/>
+                                            </p:txEl>
+                                          </p:spTgt>
+                                        </p:tgtEl>
+                                        <p:attrNameLst>
+                                          <p:attrName>style.visibility</p:attrName>
+                                        </p:attrNameLst>
+                                      </p:cBhvr>
+                                      <p:to>
+                                        <p:strVal val="visible"/>
+                                      </p:to>
+                                    </p:set>
+                                    <p:animEffect transition="in" filter="wipe(down)">
+                                      <p:cBhvr>
+                                        <p:cTn id="17" dur="500"/>
+                                        <p:tgtEl>
+                                          <p:spTgt spid="5">
+                                            <p:txEl>
+                                              <p:pRg st="1" end="1"/>
+                                            </p:txEl>
+                                          </p:spTgt>
                                         </p:tgtEl>
                                       </p:cBhvr>
                                     </p:animEffect>
